--- a/flatuicolor.pptx
+++ b/flatuicolor.pptx
@@ -288,7 +288,7 @@
           <a:p>
             <a:fld id="{A7D1CB3B-CF5D-AA4C-8BA6-BD46DBD1C5C6}" type="datetimeFigureOut">
               <a:rPr kumimoji="1" lang="ja-JP" altLang="en-US" smtClean="0"/>
-              <a:t>2013/11/17</a:t>
+              <a:t>13/11/18</a:t>
             </a:fld>
             <a:endParaRPr kumimoji="1" lang="ja-JP" altLang="en-US"/>
           </a:p>
@@ -490,7 +490,7 @@
           <a:p>
             <a:fld id="{A7D1CB3B-CF5D-AA4C-8BA6-BD46DBD1C5C6}" type="datetimeFigureOut">
               <a:rPr kumimoji="1" lang="ja-JP" altLang="en-US" smtClean="0"/>
-              <a:t>2013/11/17</a:t>
+              <a:t>13/11/18</a:t>
             </a:fld>
             <a:endParaRPr kumimoji="1" lang="ja-JP" altLang="en-US"/>
           </a:p>
@@ -702,7 +702,7 @@
           <a:p>
             <a:fld id="{A7D1CB3B-CF5D-AA4C-8BA6-BD46DBD1C5C6}" type="datetimeFigureOut">
               <a:rPr kumimoji="1" lang="ja-JP" altLang="en-US" smtClean="0"/>
-              <a:t>2013/11/17</a:t>
+              <a:t>13/11/18</a:t>
             </a:fld>
             <a:endParaRPr kumimoji="1" lang="ja-JP" altLang="en-US"/>
           </a:p>
@@ -904,7 +904,7 @@
           <a:p>
             <a:fld id="{A7D1CB3B-CF5D-AA4C-8BA6-BD46DBD1C5C6}" type="datetimeFigureOut">
               <a:rPr kumimoji="1" lang="ja-JP" altLang="en-US" smtClean="0"/>
-              <a:t>2013/11/17</a:t>
+              <a:t>13/11/18</a:t>
             </a:fld>
             <a:endParaRPr kumimoji="1" lang="ja-JP" altLang="en-US"/>
           </a:p>
@@ -1150,7 +1150,7 @@
           <a:p>
             <a:fld id="{A7D1CB3B-CF5D-AA4C-8BA6-BD46DBD1C5C6}" type="datetimeFigureOut">
               <a:rPr kumimoji="1" lang="ja-JP" altLang="en-US" smtClean="0"/>
-              <a:t>2013/11/17</a:t>
+              <a:t>13/11/18</a:t>
             </a:fld>
             <a:endParaRPr kumimoji="1" lang="ja-JP" altLang="en-US"/>
           </a:p>
@@ -1502,7 +1502,7 @@
           <a:p>
             <a:fld id="{A7D1CB3B-CF5D-AA4C-8BA6-BD46DBD1C5C6}" type="datetimeFigureOut">
               <a:rPr kumimoji="1" lang="ja-JP" altLang="en-US" smtClean="0"/>
-              <a:t>2013/11/17</a:t>
+              <a:t>13/11/18</a:t>
             </a:fld>
             <a:endParaRPr kumimoji="1" lang="ja-JP" altLang="en-US"/>
           </a:p>
@@ -1988,7 +1988,7 @@
           <a:p>
             <a:fld id="{A7D1CB3B-CF5D-AA4C-8BA6-BD46DBD1C5C6}" type="datetimeFigureOut">
               <a:rPr kumimoji="1" lang="ja-JP" altLang="en-US" smtClean="0"/>
-              <a:t>2013/11/17</a:t>
+              <a:t>13/11/18</a:t>
             </a:fld>
             <a:endParaRPr kumimoji="1" lang="ja-JP" altLang="en-US"/>
           </a:p>
@@ -2106,7 +2106,7 @@
           <a:p>
             <a:fld id="{A7D1CB3B-CF5D-AA4C-8BA6-BD46DBD1C5C6}" type="datetimeFigureOut">
               <a:rPr kumimoji="1" lang="ja-JP" altLang="en-US" smtClean="0"/>
-              <a:t>2013/11/17</a:t>
+              <a:t>13/11/18</a:t>
             </a:fld>
             <a:endParaRPr kumimoji="1" lang="ja-JP" altLang="en-US"/>
           </a:p>
@@ -2201,7 +2201,7 @@
           <a:p>
             <a:fld id="{A7D1CB3B-CF5D-AA4C-8BA6-BD46DBD1C5C6}" type="datetimeFigureOut">
               <a:rPr kumimoji="1" lang="ja-JP" altLang="en-US" smtClean="0"/>
-              <a:t>2013/11/17</a:t>
+              <a:t>13/11/18</a:t>
             </a:fld>
             <a:endParaRPr kumimoji="1" lang="ja-JP" altLang="en-US"/>
           </a:p>
@@ -2510,7 +2510,7 @@
           <a:p>
             <a:fld id="{A7D1CB3B-CF5D-AA4C-8BA6-BD46DBD1C5C6}" type="datetimeFigureOut">
               <a:rPr kumimoji="1" lang="ja-JP" altLang="en-US" smtClean="0"/>
-              <a:t>2013/11/17</a:t>
+              <a:t>13/11/18</a:t>
             </a:fld>
             <a:endParaRPr kumimoji="1" lang="ja-JP" altLang="en-US"/>
           </a:p>
@@ -2763,7 +2763,7 @@
           <a:p>
             <a:fld id="{A7D1CB3B-CF5D-AA4C-8BA6-BD46DBD1C5C6}" type="datetimeFigureOut">
               <a:rPr kumimoji="1" lang="ja-JP" altLang="en-US" smtClean="0"/>
-              <a:t>2013/11/17</a:t>
+              <a:t>13/11/18</a:t>
             </a:fld>
             <a:endParaRPr kumimoji="1" lang="ja-JP" altLang="en-US"/>
           </a:p>
@@ -3008,7 +3008,7 @@
           <a:p>
             <a:fld id="{A7D1CB3B-CF5D-AA4C-8BA6-BD46DBD1C5C6}" type="datetimeFigureOut">
               <a:rPr kumimoji="1" lang="ja-JP" altLang="en-US" smtClean="0"/>
-              <a:t>2013/11/17</a:t>
+              <a:t>13/11/18</a:t>
             </a:fld>
             <a:endParaRPr kumimoji="1" lang="ja-JP" altLang="en-US"/>
           </a:p>
